--- a/BTP con Clean Core.pptx
+++ b/BTP con Clean Core.pptx
@@ -218,10 +218,40 @@
   <pc:docChgLst>
     <pc:chgData name="Fabiola Desiree Diaz Moreno" userId="5db6dd8b-71b3-47ac-aa59-4c48d0df6df0" providerId="ADAL" clId="{CB091323-7709-4587-9489-D23FA0A7EC81}"/>
     <pc:docChg chg="undo custSel modSld">
-      <pc:chgData name="Fabiola Desiree Diaz Moreno" userId="5db6dd8b-71b3-47ac-aa59-4c48d0df6df0" providerId="ADAL" clId="{CB091323-7709-4587-9489-D23FA0A7EC81}" dt="2025-02-18T14:31:09.200" v="5" actId="14100"/>
+      <pc:chgData name="Fabiola Desiree Diaz Moreno" userId="5db6dd8b-71b3-47ac-aa59-4c48d0df6df0" providerId="ADAL" clId="{CB091323-7709-4587-9489-D23FA0A7EC81}" dt="2025-02-19T17:31:24.096" v="11" actId="20577"/>
       <pc:docMkLst>
         <pc:docMk/>
       </pc:docMkLst>
+      <pc:sldChg chg="modSp mod">
+        <pc:chgData name="Fabiola Desiree Diaz Moreno" userId="5db6dd8b-71b3-47ac-aa59-4c48d0df6df0" providerId="ADAL" clId="{CB091323-7709-4587-9489-D23FA0A7EC81}" dt="2025-02-19T17:31:24.096" v="11" actId="20577"/>
+        <pc:sldMkLst>
+          <pc:docMk/>
+          <pc:sldMk cId="119722678" sldId="256"/>
+        </pc:sldMkLst>
+        <pc:spChg chg="mod">
+          <ac:chgData name="Fabiola Desiree Diaz Moreno" userId="5db6dd8b-71b3-47ac-aa59-4c48d0df6df0" providerId="ADAL" clId="{CB091323-7709-4587-9489-D23FA0A7EC81}" dt="2025-02-19T17:31:24.096" v="11" actId="20577"/>
+          <ac:spMkLst>
+            <pc:docMk/>
+            <pc:sldMk cId="119722678" sldId="256"/>
+            <ac:spMk id="5" creationId="{BB43CB20-BDAC-4AF8-892D-B340C2D469E6}"/>
+          </ac:spMkLst>
+        </pc:spChg>
+      </pc:sldChg>
+      <pc:sldChg chg="modSp mod">
+        <pc:chgData name="Fabiola Desiree Diaz Moreno" userId="5db6dd8b-71b3-47ac-aa59-4c48d0df6df0" providerId="ADAL" clId="{CB091323-7709-4587-9489-D23FA0A7EC81}" dt="2025-02-19T17:31:00.750" v="6" actId="20577"/>
+        <pc:sldMkLst>
+          <pc:docMk/>
+          <pc:sldMk cId="1883556920" sldId="444"/>
+        </pc:sldMkLst>
+        <pc:spChg chg="mod">
+          <ac:chgData name="Fabiola Desiree Diaz Moreno" userId="5db6dd8b-71b3-47ac-aa59-4c48d0df6df0" providerId="ADAL" clId="{CB091323-7709-4587-9489-D23FA0A7EC81}" dt="2025-02-19T17:31:00.750" v="6" actId="20577"/>
+          <ac:spMkLst>
+            <pc:docMk/>
+            <pc:sldMk cId="1883556920" sldId="444"/>
+            <ac:spMk id="3" creationId="{C1865849-7A01-BB65-B134-4EBC5AABD475}"/>
+          </ac:spMkLst>
+        </pc:spChg>
+      </pc:sldChg>
       <pc:sldChg chg="addSp delSp modSp mod">
         <pc:chgData name="Fabiola Desiree Diaz Moreno" userId="5db6dd8b-71b3-47ac-aa59-4c48d0df6df0" providerId="ADAL" clId="{CB091323-7709-4587-9489-D23FA0A7EC81}" dt="2025-02-18T14:31:09.200" v="5" actId="14100"/>
         <pc:sldMkLst>
@@ -15271,7 +15301,7 @@
           <a:p>
             <a:fld id="{B9E4785A-7CD0-4AE6-AD94-2DE1BDC7C3CF}" type="datetimeFigureOut">
               <a:rPr lang="es-VE" smtClean="0"/>
-              <a:t>18/2/2025</a:t>
+              <a:t>19/2/2025</a:t>
             </a:fld>
             <a:endParaRPr lang="es-VE"/>
           </a:p>
@@ -15838,7 +15868,7 @@
           <a:p>
             <a:fld id="{727C8EAE-7C26-4E89-A4D9-AA1828AA366E}" type="datetimeFigureOut">
               <a:rPr lang="es-CO" smtClean="0"/>
-              <a:t>18/02/2025</a:t>
+              <a:t>19/02/2025</a:t>
             </a:fld>
             <a:endParaRPr lang="es-CO" dirty="0"/>
           </a:p>
@@ -16163,7 +16193,7 @@
           <a:p>
             <a:fld id="{727C8EAE-7C26-4E89-A4D9-AA1828AA366E}" type="datetimeFigureOut">
               <a:rPr lang="es-CO" smtClean="0"/>
-              <a:t>18/02/2025</a:t>
+              <a:t>19/02/2025</a:t>
             </a:fld>
             <a:endParaRPr lang="es-CO" dirty="0"/>
           </a:p>
@@ -16373,7 +16403,7 @@
           <a:p>
             <a:fld id="{727C8EAE-7C26-4E89-A4D9-AA1828AA366E}" type="datetimeFigureOut">
               <a:rPr lang="es-CO" smtClean="0"/>
-              <a:t>18/02/2025</a:t>
+              <a:t>19/02/2025</a:t>
             </a:fld>
             <a:endParaRPr lang="es-CO" dirty="0"/>
           </a:p>
@@ -16724,7 +16754,7 @@
           <a:p>
             <a:fld id="{727C8EAE-7C26-4E89-A4D9-AA1828AA366E}" type="datetimeFigureOut">
               <a:rPr lang="es-CO" smtClean="0"/>
-              <a:t>18/02/2025</a:t>
+              <a:t>19/02/2025</a:t>
             </a:fld>
             <a:endParaRPr lang="es-CO" dirty="0"/>
           </a:p>
@@ -17000,7 +17030,7 @@
           <a:p>
             <a:fld id="{727C8EAE-7C26-4E89-A4D9-AA1828AA366E}" type="datetimeFigureOut">
               <a:rPr lang="es-CO" smtClean="0"/>
-              <a:t>18/02/2025</a:t>
+              <a:t>19/02/2025</a:t>
             </a:fld>
             <a:endParaRPr lang="es-CO" dirty="0"/>
           </a:p>
@@ -17301,7 +17331,7 @@
           <a:p>
             <a:fld id="{727C8EAE-7C26-4E89-A4D9-AA1828AA366E}" type="datetimeFigureOut">
               <a:rPr lang="es-CO" smtClean="0"/>
-              <a:t>18/02/2025</a:t>
+              <a:t>19/02/2025</a:t>
             </a:fld>
             <a:endParaRPr lang="es-CO" dirty="0"/>
           </a:p>
@@ -17716,7 +17746,7 @@
           <a:p>
             <a:fld id="{727C8EAE-7C26-4E89-A4D9-AA1828AA366E}" type="datetimeFigureOut">
               <a:rPr lang="es-CO" smtClean="0"/>
-              <a:t>18/02/2025</a:t>
+              <a:t>19/02/2025</a:t>
             </a:fld>
             <a:endParaRPr lang="es-CO" dirty="0"/>
           </a:p>
@@ -17867,7 +17897,7 @@
           <a:p>
             <a:fld id="{727C8EAE-7C26-4E89-A4D9-AA1828AA366E}" type="datetimeFigureOut">
               <a:rPr lang="es-CO" smtClean="0"/>
-              <a:t>18/02/2025</a:t>
+              <a:t>19/02/2025</a:t>
             </a:fld>
             <a:endParaRPr lang="es-CO" dirty="0"/>
           </a:p>
@@ -17980,7 +18010,7 @@
           <a:p>
             <a:fld id="{727C8EAE-7C26-4E89-A4D9-AA1828AA366E}" type="datetimeFigureOut">
               <a:rPr lang="es-CO" smtClean="0"/>
-              <a:t>18/02/2025</a:t>
+              <a:t>19/02/2025</a:t>
             </a:fld>
             <a:endParaRPr lang="es-CO" dirty="0"/>
           </a:p>
@@ -18293,7 +18323,7 @@
           <a:p>
             <a:fld id="{727C8EAE-7C26-4E89-A4D9-AA1828AA366E}" type="datetimeFigureOut">
               <a:rPr lang="es-CO" smtClean="0"/>
-              <a:t>18/02/2025</a:t>
+              <a:t>19/02/2025</a:t>
             </a:fld>
             <a:endParaRPr lang="es-CO" dirty="0"/>
           </a:p>
@@ -18586,7 +18616,7 @@
           <a:p>
             <a:fld id="{727C8EAE-7C26-4E89-A4D9-AA1828AA366E}" type="datetimeFigureOut">
               <a:rPr lang="es-CO" smtClean="0"/>
-              <a:t>18/02/2025</a:t>
+              <a:t>19/02/2025</a:t>
             </a:fld>
             <a:endParaRPr lang="es-CO" dirty="0"/>
           </a:p>
@@ -18840,7 +18870,7 @@
           <a:p>
             <a:fld id="{727C8EAE-7C26-4E89-A4D9-AA1828AA366E}" type="datetimeFigureOut">
               <a:rPr lang="es-CO" smtClean="0"/>
-              <a:t>18/02/2025</a:t>
+              <a:t>19/02/2025</a:t>
             </a:fld>
             <a:endParaRPr lang="es-CO" dirty="0"/>
           </a:p>
@@ -19469,6 +19499,14 @@
                 </a:solidFill>
               </a:rPr>
               <a:t>Boarding</a:t>
+            </a:r>
+            <a:r>
+              <a:rPr lang="es-VE" sz="2800">
+                <a:solidFill>
+                  <a:srgbClr val="FFFF00"/>
+                </a:solidFill>
+              </a:rPr>
+              <a:t> 2025</a:t>
             </a:r>
             <a:endParaRPr lang="es-VE" sz="2800" dirty="0">
               <a:solidFill>
@@ -20947,15 +20985,22 @@
               <a:t>Clean</a:t>
             </a:r>
             <a:r>
-              <a:rPr lang="es-MX" dirty="0">
+              <a:rPr lang="es-MX">
                 <a:solidFill>
                   <a:schemeClr val="bg2">
                     <a:lumMod val="50000"/>
                   </a:schemeClr>
                 </a:solidFill>
               </a:rPr>
-              <a:t> Core</a:t>
+              <a:t> Core </a:t>
             </a:r>
+            <a:endParaRPr lang="es-MX" dirty="0">
+              <a:solidFill>
+                <a:schemeClr val="bg2">
+                  <a:lumMod val="50000"/>
+                </a:schemeClr>
+              </a:solidFill>
+            </a:endParaRPr>
           </a:p>
           <a:p>
             <a:pPr lvl="1"/>
